--- a/docs/diagrams/BackupSequenceDiagram.pptx
+++ b/docs/diagrams/BackupSequenceDiagram.pptx
@@ -212,7 +212,7 @@
           <a:p>
             <a:fld id="{F5CC4B3F-88C1-4FFA-B1B6-F41C21DC6924}" type="datetimeFigureOut">
               <a:rPr lang="en-US" smtClean="0"/>
-              <a:t>10/18/2017</a:t>
+              <a:t>10/19/2017</a:t>
             </a:fld>
             <a:endParaRPr lang="en-US"/>
           </a:p>
@@ -658,7 +658,7 @@
           <a:p>
             <a:fld id="{78C97017-6FC3-485B-9764-EAC9E56C1D49}" type="datetimeFigureOut">
               <a:rPr lang="en-US" smtClean="0"/>
-              <a:t>10/18/2017</a:t>
+              <a:t>10/19/2017</a:t>
             </a:fld>
             <a:endParaRPr lang="en-US"/>
           </a:p>
@@ -826,7 +826,7 @@
           <a:p>
             <a:fld id="{78C97017-6FC3-485B-9764-EAC9E56C1D49}" type="datetimeFigureOut">
               <a:rPr lang="en-US" smtClean="0"/>
-              <a:t>10/18/2017</a:t>
+              <a:t>10/19/2017</a:t>
             </a:fld>
             <a:endParaRPr lang="en-US"/>
           </a:p>
@@ -1004,7 +1004,7 @@
           <a:p>
             <a:fld id="{78C97017-6FC3-485B-9764-EAC9E56C1D49}" type="datetimeFigureOut">
               <a:rPr lang="en-US" smtClean="0"/>
-              <a:t>10/18/2017</a:t>
+              <a:t>10/19/2017</a:t>
             </a:fld>
             <a:endParaRPr lang="en-US"/>
           </a:p>
@@ -1172,7 +1172,7 @@
           <a:p>
             <a:fld id="{78C97017-6FC3-485B-9764-EAC9E56C1D49}" type="datetimeFigureOut">
               <a:rPr lang="en-US" smtClean="0"/>
-              <a:t>10/18/2017</a:t>
+              <a:t>10/19/2017</a:t>
             </a:fld>
             <a:endParaRPr lang="en-US"/>
           </a:p>
@@ -1417,7 +1417,7 @@
           <a:p>
             <a:fld id="{78C97017-6FC3-485B-9764-EAC9E56C1D49}" type="datetimeFigureOut">
               <a:rPr lang="en-US" smtClean="0"/>
-              <a:t>10/18/2017</a:t>
+              <a:t>10/19/2017</a:t>
             </a:fld>
             <a:endParaRPr lang="en-US"/>
           </a:p>
@@ -1702,7 +1702,7 @@
           <a:p>
             <a:fld id="{78C97017-6FC3-485B-9764-EAC9E56C1D49}" type="datetimeFigureOut">
               <a:rPr lang="en-US" smtClean="0"/>
-              <a:t>10/18/2017</a:t>
+              <a:t>10/19/2017</a:t>
             </a:fld>
             <a:endParaRPr lang="en-US"/>
           </a:p>
@@ -2121,7 +2121,7 @@
           <a:p>
             <a:fld id="{78C97017-6FC3-485B-9764-EAC9E56C1D49}" type="datetimeFigureOut">
               <a:rPr lang="en-US" smtClean="0"/>
-              <a:t>10/18/2017</a:t>
+              <a:t>10/19/2017</a:t>
             </a:fld>
             <a:endParaRPr lang="en-US"/>
           </a:p>
@@ -2238,7 +2238,7 @@
           <a:p>
             <a:fld id="{78C97017-6FC3-485B-9764-EAC9E56C1D49}" type="datetimeFigureOut">
               <a:rPr lang="en-US" smtClean="0"/>
-              <a:t>10/18/2017</a:t>
+              <a:t>10/19/2017</a:t>
             </a:fld>
             <a:endParaRPr lang="en-US"/>
           </a:p>
@@ -2333,7 +2333,7 @@
           <a:p>
             <a:fld id="{78C97017-6FC3-485B-9764-EAC9E56C1D49}" type="datetimeFigureOut">
               <a:rPr lang="en-US" smtClean="0"/>
-              <a:t>10/18/2017</a:t>
+              <a:t>10/19/2017</a:t>
             </a:fld>
             <a:endParaRPr lang="en-US"/>
           </a:p>
@@ -2608,7 +2608,7 @@
           <a:p>
             <a:fld id="{78C97017-6FC3-485B-9764-EAC9E56C1D49}" type="datetimeFigureOut">
               <a:rPr lang="en-US" smtClean="0"/>
-              <a:t>10/18/2017</a:t>
+              <a:t>10/19/2017</a:t>
             </a:fld>
             <a:endParaRPr lang="en-US"/>
           </a:p>
@@ -2860,7 +2860,7 @@
           <a:p>
             <a:fld id="{78C97017-6FC3-485B-9764-EAC9E56C1D49}" type="datetimeFigureOut">
               <a:rPr lang="en-US" smtClean="0"/>
-              <a:t>10/18/2017</a:t>
+              <a:t>10/19/2017</a:t>
             </a:fld>
             <a:endParaRPr lang="en-US"/>
           </a:p>
@@ -3071,7 +3071,7 @@
           <a:p>
             <a:fld id="{78C97017-6FC3-485B-9764-EAC9E56C1D49}" type="datetimeFigureOut">
               <a:rPr lang="en-US" smtClean="0"/>
-              <a:t>10/18/2017</a:t>
+              <a:t>10/19/2017</a:t>
             </a:fld>
             <a:endParaRPr lang="en-US"/>
           </a:p>
@@ -4101,7 +4101,7 @@
         </p:nvCxnSpPr>
         <p:spPr>
           <a:xfrm>
-            <a:off x="2377151" y="2185964"/>
+            <a:off x="2377152" y="2115870"/>
             <a:ext cx="2348067" cy="0"/>
           </a:xfrm>
           <a:prstGeom prst="straightConnector1">
@@ -4195,7 +4195,7 @@
         </p:nvSpPr>
         <p:spPr>
           <a:xfrm>
-            <a:off x="2301122" y="1986960"/>
+            <a:off x="2302621" y="1925981"/>
             <a:ext cx="1897285" cy="153888"/>
           </a:xfrm>
           <a:prstGeom prst="rect">
@@ -4661,7 +4661,7 @@
         <p:spPr>
           <a:xfrm>
             <a:off x="1295400" y="2408644"/>
-            <a:ext cx="5029200" cy="1944324"/>
+            <a:ext cx="5029200" cy="1543507"/>
           </a:xfrm>
           <a:prstGeom prst="rect">
             <a:avLst/>
@@ -4880,106 +4880,6 @@
           </a:p>
         </p:txBody>
       </p:sp>
-      <p:sp>
-        <p:nvSpPr>
-          <p:cNvPr id="152" name="TextBox 151">
-            <a:extLst>
-              <a:ext uri="{FF2B5EF4-FFF2-40B4-BE49-F238E27FC236}">
-                <a16:creationId xmlns:a16="http://schemas.microsoft.com/office/drawing/2014/main" id="{DFB1D1EF-8C61-4AAD-B1D6-5A447871B29C}"/>
-              </a:ext>
-            </a:extLst>
-          </p:cNvPr>
-          <p:cNvSpPr txBox="1"/>
-          <p:nvPr/>
-        </p:nvSpPr>
-        <p:spPr>
-          <a:xfrm>
-            <a:off x="2681882" y="3963101"/>
-            <a:ext cx="2818905" cy="184666"/>
-          </a:xfrm>
-          <a:prstGeom prst="rect">
-            <a:avLst/>
-          </a:prstGeom>
-          <a:noFill/>
-        </p:spPr>
-        <p:txBody>
-          <a:bodyPr wrap="square" lIns="0" tIns="0" rIns="0" bIns="0" rtlCol="0">
-            <a:spAutoFit/>
-          </a:bodyPr>
-          <a:lstStyle>
-            <a:defPPr>
-              <a:defRPr lang="en-US"/>
-            </a:defPPr>
-            <a:lvl1pPr algn="r">
-              <a:defRPr sz="1400">
-                <a:solidFill>
-                  <a:srgbClr val="0070C0"/>
-                </a:solidFill>
-              </a:defRPr>
-            </a:lvl1pPr>
-          </a:lstStyle>
-          <a:p>
-            <a:pPr algn="ctr"/>
-            <a:r>
-              <a:rPr lang="en-US" sz="1200" dirty="0">
-                <a:solidFill>
-                  <a:schemeClr val="accent6">
-                    <a:lumMod val="50000"/>
-                  </a:schemeClr>
-                </a:solidFill>
-              </a:rPr>
-              <a:t>[else]</a:t>
-            </a:r>
-          </a:p>
-        </p:txBody>
-      </p:sp>
-      <p:cxnSp>
-        <p:nvCxnSpPr>
-          <p:cNvPr id="153" name="Straight Connector 152">
-            <a:extLst>
-              <a:ext uri="{FF2B5EF4-FFF2-40B4-BE49-F238E27FC236}">
-                <a16:creationId xmlns:a16="http://schemas.microsoft.com/office/drawing/2014/main" id="{0C1309C8-91D8-4406-92EA-C9EAB76D5645}"/>
-              </a:ext>
-            </a:extLst>
-          </p:cNvPr>
-          <p:cNvCxnSpPr>
-            <a:cxnSpLocks/>
-          </p:cNvCxnSpPr>
-          <p:nvPr/>
-        </p:nvCxnSpPr>
-        <p:spPr>
-          <a:xfrm>
-            <a:off x="1289304" y="3941122"/>
-            <a:ext cx="5029200" cy="33603"/>
-          </a:xfrm>
-          <a:prstGeom prst="line">
-            <a:avLst/>
-          </a:prstGeom>
-          <a:ln w="19050">
-            <a:solidFill>
-              <a:schemeClr val="accent6">
-                <a:lumMod val="50000"/>
-              </a:schemeClr>
-            </a:solidFill>
-            <a:prstDash val="sysDash"/>
-          </a:ln>
-          <a:effectLst/>
-        </p:spPr>
-        <p:style>
-          <a:lnRef idx="1">
-            <a:schemeClr val="accent1"/>
-          </a:lnRef>
-          <a:fillRef idx="2">
-            <a:schemeClr val="accent1"/>
-          </a:fillRef>
-          <a:effectRef idx="1">
-            <a:schemeClr val="accent1"/>
-          </a:effectRef>
-          <a:fontRef idx="minor">
-            <a:schemeClr val="dk1"/>
-          </a:fontRef>
-        </p:style>
-      </p:cxnSp>
       <p:sp>
         <p:nvSpPr>
           <p:cNvPr id="29" name="Rectangle 28">
